--- a/자기소개서_최윤지.pptx
+++ b/자기소개서_최윤지.pptx
@@ -3830,6 +3830,27 @@
                 <a:cs typeface="THELuxGoM" pitchFamily="34" charset="0"/>
               </a:rPr>
               <a:t>최윤지</a:t>
+            </a:r>
+            <a:r>
+              <a:rPr lang="en-US" altLang="ko-KR" sz="4000" dirty="0">
+                <a:latin typeface="THELuxGoM" pitchFamily="34" charset="0"/>
+                <a:cs typeface="THELuxGoM" pitchFamily="34" charset="0"/>
+              </a:rPr>
+              <a:t>(29</a:t>
+            </a:r>
+            <a:r>
+              <a:rPr lang="ko-KR" altLang="en-US" sz="4000" dirty="0">
+                <a:latin typeface="THELuxGoM" pitchFamily="34" charset="0"/>
+                <a:cs typeface="THELuxGoM" pitchFamily="34" charset="0"/>
+              </a:rPr>
+              <a:t>세</a:t>
+            </a:r>
+            <a:r>
+              <a:rPr lang="en-US" altLang="ko-KR" sz="4000" dirty="0">
+                <a:latin typeface="THELuxGoM" pitchFamily="34" charset="0"/>
+                <a:cs typeface="THELuxGoM" pitchFamily="34" charset="0"/>
+              </a:rPr>
+              <a:t>)</a:t>
             </a:r>
             <a:endParaRPr lang="en-US" sz="3200" dirty="0"/>
           </a:p>
